--- a/CSC435_Final_Project_Presentation.pptx
+++ b/CSC435_Final_Project_Presentation.pptx
@@ -126,7 +126,7 @@
 <file path=ppt/revisionInfo.xml><?xml version="1.0" encoding="utf-8"?>
 <p1510:revInfo xmlns:a="http://schemas.openxmlformats.org/drawingml/2006/main" xmlns:r="http://schemas.openxmlformats.org/officeDocument/2006/relationships" xmlns:p1510="http://schemas.microsoft.com/office/powerpoint/2015/10/main">
   <p1510:revLst>
-    <p1510:client id="{2A22BED3-47B5-8355-8458-24C99536FCB0}" v="1245" dt="2025-04-28T19:55:01.006"/>
+    <p1510:client id="{2A22BED3-47B5-8355-8458-24C99536FCB0}" v="1257" dt="2025-04-28T23:39:25.308"/>
   </p1510:revLst>
 </p1510:revInfo>
 </file>
@@ -3828,7 +3828,7 @@
                 <a:ea typeface="+mj-lt"/>
                 <a:cs typeface="+mj-lt"/>
               </a:rPr>
-              <a:t>Bioinformatics Research Lab</a:t>
+              <a:t>Research Lab</a:t>
             </a:r>
             <a:br>
               <a:rPr lang="en-US" sz="6000" dirty="0">
@@ -4833,7 +4833,7 @@
                 <a:ea typeface="+mn-lt"/>
                 <a:cs typeface="+mn-lt"/>
               </a:rPr>
-              <a:t>bioinformatics research lab</a:t>
+              <a:t>research lab</a:t>
             </a:r>
             <a:r>
               <a:rPr lang="en-US" sz="2400" dirty="0">
